--- a/pptx/Restful 05_2023.pptx
+++ b/pptx/Restful 05_2023.pptx
@@ -33,8 +33,8 @@
     <p:sldId id="340" r:id="rId27"/>
     <p:sldId id="327" r:id="rId28"/>
     <p:sldId id="368" r:id="rId29"/>
-    <p:sldId id="369" r:id="rId30"/>
-    <p:sldId id="372" r:id="rId31"/>
+    <p:sldId id="372" r:id="rId30"/>
+    <p:sldId id="369" r:id="rId31"/>
     <p:sldId id="370" r:id="rId32"/>
     <p:sldId id="371" r:id="rId33"/>
     <p:sldId id="374" r:id="rId34"/>
@@ -302,7 +302,7 @@
           <a:p>
             <a:fld id="{07603E9B-9B51-4389-8A32-D33EE7E72377}" type="datetimeFigureOut">
               <a:rPr lang="it-IT" smtClean="0"/>
-              <a:t>08/05/2023</a:t>
+              <a:t>13/05/2023</a:t>
             </a:fld>
             <a:endParaRPr lang="it-IT"/>
           </a:p>
@@ -2697,7 +2697,7 @@
             <a:fld id="{C0D6C582-BA13-4CC1-9102-BCC6C59279AE}" type="datetime1">
               <a:rPr lang="it-IT"/>
               <a:pPr/>
-              <a:t>08/05/2023</a:t>
+              <a:t>13/05/2023</a:t>
             </a:fld>
             <a:endParaRPr lang="it-IT"/>
           </a:p>
@@ -2815,7 +2815,7 @@
             <a:fld id="{CA5DA215-3609-4680-A1B3-75FF29C5EC19}" type="datetime1">
               <a:rPr lang="it-IT"/>
               <a:pPr/>
-              <a:t>08/05/2023</a:t>
+              <a:t>13/05/2023</a:t>
             </a:fld>
             <a:endParaRPr lang="it-IT"/>
           </a:p>
@@ -3124,7 +3124,7 @@
             <a:fld id="{CA5DA215-3609-4680-A1B3-75FF29C5EC19}" type="datetime1">
               <a:rPr lang="it-IT"/>
               <a:pPr/>
-              <a:t>08/05/2023</a:t>
+              <a:t>13/05/2023</a:t>
             </a:fld>
             <a:endParaRPr lang="it-IT"/>
           </a:p>
@@ -3275,7 +3275,7 @@
                 </a:solidFill>
               </a:rPr>
               <a:pPr/>
-              <a:t>08/05/2023</a:t>
+              <a:t>13/05/2023</a:t>
             </a:fld>
             <a:endParaRPr lang="it-IT">
               <a:solidFill>
@@ -3424,7 +3424,7 @@
                 </a:solidFill>
               </a:rPr>
               <a:pPr/>
-              <a:t>08/05/2023</a:t>
+              <a:t>13/05/2023</a:t>
             </a:fld>
             <a:endParaRPr lang="it-IT">
               <a:solidFill>
@@ -3624,7 +3624,7 @@
                 </a:solidFill>
               </a:rPr>
               <a:pPr/>
-              <a:t>08/05/2023</a:t>
+              <a:t>13/05/2023</a:t>
             </a:fld>
             <a:endParaRPr lang="it-IT">
               <a:solidFill>
@@ -3901,7 +3901,7 @@
                 </a:solidFill>
               </a:rPr>
               <a:pPr/>
-              <a:t>08/05/2023</a:t>
+              <a:t>13/05/2023</a:t>
             </a:fld>
             <a:endParaRPr lang="it-IT">
               <a:solidFill>
@@ -4218,7 +4218,7 @@
                 </a:solidFill>
               </a:rPr>
               <a:pPr/>
-              <a:t>08/05/2023</a:t>
+              <a:t>13/05/2023</a:t>
             </a:fld>
             <a:endParaRPr lang="it-IT">
               <a:solidFill>
@@ -4343,7 +4343,7 @@
             <a:fld id="{C0D6C582-BA13-4CC1-9102-BCC6C59279AE}" type="datetime1">
               <a:rPr lang="it-IT"/>
               <a:pPr/>
-              <a:t>08/05/2023</a:t>
+              <a:t>13/05/2023</a:t>
             </a:fld>
             <a:endParaRPr lang="it-IT"/>
           </a:p>
@@ -4612,7 +4612,7 @@
                   <a:spcPct val="0"/>
                 </a:spcAft>
               </a:pPr>
-              <a:t>08/05/2023</a:t>
+              <a:t>13/05/2023</a:t>
             </a:fld>
             <a:endParaRPr lang="it-IT">
               <a:ea typeface="ＭＳ Ｐゴシック" pitchFamily="-111" charset="-128"/>
@@ -5356,7 +5356,7 @@
                   <a:spcPct val="0"/>
                 </a:spcAft>
               </a:pPr>
-              <a:t>08/05/2023</a:t>
+              <a:t>13/05/2023</a:t>
             </a:fld>
             <a:endParaRPr lang="it-IT">
               <a:solidFill>
@@ -5986,7 +5986,7 @@
                   <a:spcPct val="0"/>
                 </a:spcAft>
               </a:pPr>
-              <a:t>08/05/2023</a:t>
+              <a:t>13/05/2023</a:t>
             </a:fld>
             <a:endParaRPr lang="it-IT">
               <a:ea typeface="ＭＳ Ｐゴシック" pitchFamily="-111" charset="-128"/>
@@ -10619,6 +10619,306 @@
       </p:grpSpPr>
       <p:sp>
         <p:nvSpPr>
+          <p:cNvPr id="2" name="Titolo 1"/>
+          <p:cNvSpPr>
+            <a:spLocks noGrp="1"/>
+          </p:cNvSpPr>
+          <p:nvPr>
+            <p:ph type="title"/>
+          </p:nvPr>
+        </p:nvSpPr>
+        <p:spPr>
+          <a:xfrm>
+            <a:off x="481588" y="332656"/>
+            <a:ext cx="8229600" cy="1252728"/>
+          </a:xfrm>
+          <a:noFill/>
+          <a:ln w="9525">
+            <a:noFill/>
+            <a:miter lim="800000"/>
+            <a:headEnd/>
+            <a:tailEnd/>
+          </a:ln>
+        </p:spPr>
+        <p:txBody>
+          <a:bodyPr vert="horz" wrap="square" lIns="91440" tIns="45720" rIns="91440" bIns="45720" numCol="1" anchor="ctr" anchorCtr="0" compatLnSpc="1">
+            <a:prstTxWarp prst="textNoShape">
+              <a:avLst/>
+            </a:prstTxWarp>
+          </a:bodyPr>
+          <a:lstStyle/>
+          <a:p>
+            <a:pPr algn="l"/>
+            <a:r>
+              <a:rPr lang="it-IT" sz="2000" b="1" dirty="0">
+                <a:solidFill>
+                  <a:srgbClr val="800000"/>
+                </a:solidFill>
+                <a:latin typeface="Arial" pitchFamily="34" charset="0"/>
+                <a:cs typeface="Arial" pitchFamily="34" charset="0"/>
+              </a:rPr>
+              <a:t>Documentare un servizio REST</a:t>
+            </a:r>
+          </a:p>
+        </p:txBody>
+      </p:sp>
+      <p:sp>
+        <p:nvSpPr>
+          <p:cNvPr id="4" name="Segnaposto contenuto 3">
+            <a:extLst>
+              <a:ext uri="{FF2B5EF4-FFF2-40B4-BE49-F238E27FC236}">
+                <a16:creationId xmlns:a16="http://schemas.microsoft.com/office/drawing/2014/main" id="{D6DEE3FB-DE68-4AEE-8133-38BBE7BC4399}"/>
+              </a:ext>
+            </a:extLst>
+          </p:cNvPr>
+          <p:cNvSpPr>
+            <a:spLocks noGrp="1"/>
+          </p:cNvSpPr>
+          <p:nvPr>
+            <p:ph idx="1"/>
+          </p:nvPr>
+        </p:nvSpPr>
+        <p:spPr>
+          <a:xfrm>
+            <a:off x="215516" y="1516549"/>
+            <a:ext cx="8712968" cy="1944216"/>
+          </a:xfrm>
+        </p:spPr>
+        <p:txBody>
+          <a:bodyPr/>
+          <a:lstStyle/>
+          <a:p>
+            <a:pPr marL="0" indent="0" algn="just">
+              <a:buNone/>
+            </a:pPr>
+            <a:r>
+              <a:rPr lang="it-IT" sz="2000" b="1" dirty="0" err="1"/>
+              <a:t>OpenAPI</a:t>
+            </a:r>
+            <a:r>
+              <a:rPr lang="it-IT" sz="2000" dirty="0"/>
+              <a:t> è il nome ufficiale della specifica. Lo sviluppo delle specifiche è promosso dalla </a:t>
+            </a:r>
+            <a:r>
+              <a:rPr lang="it-IT" sz="2000" b="1" dirty="0" err="1"/>
+              <a:t>OpenAPI</a:t>
+            </a:r>
+            <a:r>
+              <a:rPr lang="it-IT" sz="2000" b="1" dirty="0"/>
+              <a:t> </a:t>
+            </a:r>
+            <a:r>
+              <a:rPr lang="it-IT" sz="2000" b="1" dirty="0" err="1"/>
+              <a:t>Initiative</a:t>
+            </a:r>
+            <a:r>
+              <a:rPr lang="it-IT" sz="2000" dirty="0"/>
+              <a:t>, che coinvolge più di 30 organizzazioni da diverse aree del mondo tecnologico.</a:t>
+            </a:r>
+          </a:p>
+          <a:p>
+            <a:pPr marL="0" indent="0" algn="just">
+              <a:buNone/>
+            </a:pPr>
+            <a:r>
+              <a:rPr lang="it-IT" sz="2000" b="1" dirty="0" err="1"/>
+              <a:t>Swagger</a:t>
+            </a:r>
+            <a:r>
+              <a:rPr lang="it-IT" sz="2000" dirty="0"/>
+              <a:t> è il nome associato ad alcuni degli strumenti più noti e ampiamente utilizzati per implementare la specifica </a:t>
+            </a:r>
+            <a:r>
+              <a:rPr lang="it-IT" sz="2000" dirty="0" err="1"/>
+              <a:t>OpenAPI</a:t>
+            </a:r>
+            <a:r>
+              <a:rPr lang="it-IT" sz="2000" dirty="0"/>
+              <a:t>. Il set di strumenti </a:t>
+            </a:r>
+            <a:r>
+              <a:rPr lang="it-IT" sz="2000" dirty="0" err="1"/>
+              <a:t>Swagger</a:t>
+            </a:r>
+            <a:r>
+              <a:rPr lang="it-IT" sz="2000" dirty="0"/>
+              <a:t> include un mix di strumenti open source, gratuiti e commerciali.</a:t>
+            </a:r>
+          </a:p>
+          <a:p>
+            <a:pPr marL="0" indent="0" algn="just">
+              <a:buNone/>
+            </a:pPr>
+            <a:endParaRPr lang="en-US" sz="2000" dirty="0">
+              <a:solidFill>
+                <a:srgbClr val="5F5F5F"/>
+              </a:solidFill>
+            </a:endParaRPr>
+          </a:p>
+        </p:txBody>
+      </p:sp>
+      <p:sp>
+        <p:nvSpPr>
+          <p:cNvPr id="5" name="CasellaDiTesto 4">
+            <a:extLst>
+              <a:ext uri="{FF2B5EF4-FFF2-40B4-BE49-F238E27FC236}">
+                <a16:creationId xmlns:a16="http://schemas.microsoft.com/office/drawing/2014/main" id="{A6D68194-2BCD-4369-B919-3D309B376A16}"/>
+              </a:ext>
+            </a:extLst>
+          </p:cNvPr>
+          <p:cNvSpPr txBox="1"/>
+          <p:nvPr/>
+        </p:nvSpPr>
+        <p:spPr>
+          <a:xfrm>
+            <a:off x="2989" y="6093296"/>
+            <a:ext cx="9141011" cy="338554"/>
+          </a:xfrm>
+          <a:prstGeom prst="rect">
+            <a:avLst/>
+          </a:prstGeom>
+          <a:noFill/>
+        </p:spPr>
+        <p:txBody>
+          <a:bodyPr wrap="square">
+            <a:spAutoFit/>
+          </a:bodyPr>
+          <a:lstStyle/>
+          <a:p>
+            <a:pPr algn="ctr"/>
+            <a:r>
+              <a:rPr lang="it-IT" sz="1600" dirty="0"/>
+              <a:t>https://www.openapis.org/blog/2017/07/26/the-oai-announces-the-openapi-specification-3-0-0</a:t>
+            </a:r>
+          </a:p>
+        </p:txBody>
+      </p:sp>
+      <p:pic>
+        <p:nvPicPr>
+          <p:cNvPr id="1026" name="Picture 2" descr="Home - OpenAPI Initiative">
+            <a:extLst>
+              <a:ext uri="{FF2B5EF4-FFF2-40B4-BE49-F238E27FC236}">
+                <a16:creationId xmlns:a16="http://schemas.microsoft.com/office/drawing/2014/main" id="{08BC48E8-D9FD-4AF6-A732-F5C4B1C7EF3A}"/>
+              </a:ext>
+            </a:extLst>
+          </p:cNvPr>
+          <p:cNvPicPr>
+            <a:picLocks noChangeAspect="1" noChangeArrowheads="1"/>
+          </p:cNvPicPr>
+          <p:nvPr/>
+        </p:nvPicPr>
+        <p:blipFill>
+          <a:blip r:embed="rId2" cstate="print">
+            <a:extLst>
+              <a:ext uri="{28A0092B-C50C-407E-A947-70E740481C1C}">
+                <a14:useLocalDpi xmlns:a14="http://schemas.microsoft.com/office/drawing/2010/main" val="0"/>
+              </a:ext>
+            </a:extLst>
+          </a:blip>
+          <a:srcRect/>
+          <a:stretch>
+            <a:fillRect/>
+          </a:stretch>
+        </p:blipFill>
+        <p:spPr bwMode="auto">
+          <a:xfrm>
+            <a:off x="483703" y="4142595"/>
+            <a:ext cx="3618511" cy="1093092"/>
+          </a:xfrm>
+          <a:prstGeom prst="rect">
+            <a:avLst/>
+          </a:prstGeom>
+          <a:noFill/>
+          <a:extLst>
+            <a:ext uri="{909E8E84-426E-40DD-AFC4-6F175D3DCCD1}">
+              <a14:hiddenFill xmlns:a14="http://schemas.microsoft.com/office/drawing/2010/main">
+                <a:solidFill>
+                  <a:srgbClr val="FFFFFF"/>
+                </a:solidFill>
+              </a14:hiddenFill>
+            </a:ext>
+          </a:extLst>
+        </p:spPr>
+      </p:pic>
+      <p:pic>
+        <p:nvPicPr>
+          <p:cNvPr id="1028" name="Picture 4" descr="Problemi o malfunzionamenti con Swagger UI? Is not DOWN.">
+            <a:extLst>
+              <a:ext uri="{FF2B5EF4-FFF2-40B4-BE49-F238E27FC236}">
+                <a16:creationId xmlns:a16="http://schemas.microsoft.com/office/drawing/2014/main" id="{60E7CB95-C6A1-4EBE-8A23-6996B6647005}"/>
+              </a:ext>
+            </a:extLst>
+          </p:cNvPr>
+          <p:cNvPicPr>
+            <a:picLocks noChangeAspect="1" noChangeArrowheads="1"/>
+          </p:cNvPicPr>
+          <p:nvPr/>
+        </p:nvPicPr>
+        <p:blipFill>
+          <a:blip r:embed="rId3" cstate="print">
+            <a:extLst>
+              <a:ext uri="{28A0092B-C50C-407E-A947-70E740481C1C}">
+                <a14:useLocalDpi xmlns:a14="http://schemas.microsoft.com/office/drawing/2010/main" val="0"/>
+              </a:ext>
+            </a:extLst>
+          </a:blip>
+          <a:srcRect/>
+          <a:stretch>
+            <a:fillRect/>
+          </a:stretch>
+        </p:blipFill>
+        <p:spPr bwMode="auto">
+          <a:xfrm>
+            <a:off x="4715252" y="4189344"/>
+            <a:ext cx="3995936" cy="1119001"/>
+          </a:xfrm>
+          <a:prstGeom prst="rect">
+            <a:avLst/>
+          </a:prstGeom>
+          <a:noFill/>
+          <a:extLst>
+            <a:ext uri="{909E8E84-426E-40DD-AFC4-6F175D3DCCD1}">
+              <a14:hiddenFill xmlns:a14="http://schemas.microsoft.com/office/drawing/2010/main">
+                <a:solidFill>
+                  <a:srgbClr val="FFFFFF"/>
+                </a:solidFill>
+              </a14:hiddenFill>
+            </a:ext>
+          </a:extLst>
+        </p:spPr>
+      </p:pic>
+    </p:spTree>
+    <p:extLst>
+      <p:ext uri="{BB962C8B-B14F-4D97-AF65-F5344CB8AC3E}">
+        <p14:creationId xmlns:p14="http://schemas.microsoft.com/office/powerpoint/2010/main" val="2566170981"/>
+      </p:ext>
+    </p:extLst>
+  </p:cSld>
+  <p:clrMapOvr>
+    <a:masterClrMapping/>
+  </p:clrMapOvr>
+</p:sld>
+</file>
+
+<file path=ppt/slides/slide25.xml><?xml version="1.0" encoding="utf-8"?>
+<p:sld xmlns:a="http://schemas.openxmlformats.org/drawingml/2006/main" xmlns:r="http://schemas.openxmlformats.org/officeDocument/2006/relationships" xmlns:p="http://schemas.openxmlformats.org/presentationml/2006/main">
+  <p:cSld>
+    <p:spTree>
+      <p:nvGrpSpPr>
+        <p:cNvPr id="1" name=""/>
+        <p:cNvGrpSpPr/>
+        <p:nvPr/>
+      </p:nvGrpSpPr>
+      <p:grpSpPr>
+        <a:xfrm>
+          <a:off x="0" y="0"/>
+          <a:ext cx="0" cy="0"/>
+          <a:chOff x="0" y="0"/>
+          <a:chExt cx="0" cy="0"/>
+        </a:xfrm>
+      </p:grpSpPr>
+      <p:sp>
+        <p:nvSpPr>
           <p:cNvPr id="2" name="Title 1">
             <a:extLst>
               <a:ext uri="{FF2B5EF4-FFF2-40B4-BE49-F238E27FC236}">
@@ -10869,306 +11169,6 @@
     <p:extLst>
       <p:ext uri="{BB962C8B-B14F-4D97-AF65-F5344CB8AC3E}">
         <p14:creationId xmlns:p14="http://schemas.microsoft.com/office/powerpoint/2010/main" val="4088679127"/>
-      </p:ext>
-    </p:extLst>
-  </p:cSld>
-  <p:clrMapOvr>
-    <a:masterClrMapping/>
-  </p:clrMapOvr>
-</p:sld>
-</file>
-
-<file path=ppt/slides/slide25.xml><?xml version="1.0" encoding="utf-8"?>
-<p:sld xmlns:a="http://schemas.openxmlformats.org/drawingml/2006/main" xmlns:r="http://schemas.openxmlformats.org/officeDocument/2006/relationships" xmlns:p="http://schemas.openxmlformats.org/presentationml/2006/main">
-  <p:cSld>
-    <p:spTree>
-      <p:nvGrpSpPr>
-        <p:cNvPr id="1" name=""/>
-        <p:cNvGrpSpPr/>
-        <p:nvPr/>
-      </p:nvGrpSpPr>
-      <p:grpSpPr>
-        <a:xfrm>
-          <a:off x="0" y="0"/>
-          <a:ext cx="0" cy="0"/>
-          <a:chOff x="0" y="0"/>
-          <a:chExt cx="0" cy="0"/>
-        </a:xfrm>
-      </p:grpSpPr>
-      <p:sp>
-        <p:nvSpPr>
-          <p:cNvPr id="2" name="Titolo 1"/>
-          <p:cNvSpPr>
-            <a:spLocks noGrp="1"/>
-          </p:cNvSpPr>
-          <p:nvPr>
-            <p:ph type="title"/>
-          </p:nvPr>
-        </p:nvSpPr>
-        <p:spPr>
-          <a:xfrm>
-            <a:off x="481588" y="332656"/>
-            <a:ext cx="8229600" cy="1252728"/>
-          </a:xfrm>
-          <a:noFill/>
-          <a:ln w="9525">
-            <a:noFill/>
-            <a:miter lim="800000"/>
-            <a:headEnd/>
-            <a:tailEnd/>
-          </a:ln>
-        </p:spPr>
-        <p:txBody>
-          <a:bodyPr vert="horz" wrap="square" lIns="91440" tIns="45720" rIns="91440" bIns="45720" numCol="1" anchor="ctr" anchorCtr="0" compatLnSpc="1">
-            <a:prstTxWarp prst="textNoShape">
-              <a:avLst/>
-            </a:prstTxWarp>
-          </a:bodyPr>
-          <a:lstStyle/>
-          <a:p>
-            <a:pPr algn="l"/>
-            <a:r>
-              <a:rPr lang="it-IT" sz="2000" b="1" dirty="0">
-                <a:solidFill>
-                  <a:srgbClr val="800000"/>
-                </a:solidFill>
-                <a:latin typeface="Arial" pitchFamily="34" charset="0"/>
-                <a:cs typeface="Arial" pitchFamily="34" charset="0"/>
-              </a:rPr>
-              <a:t>Documentare un servizio REST</a:t>
-            </a:r>
-          </a:p>
-        </p:txBody>
-      </p:sp>
-      <p:sp>
-        <p:nvSpPr>
-          <p:cNvPr id="4" name="Segnaposto contenuto 3">
-            <a:extLst>
-              <a:ext uri="{FF2B5EF4-FFF2-40B4-BE49-F238E27FC236}">
-                <a16:creationId xmlns:a16="http://schemas.microsoft.com/office/drawing/2014/main" id="{D6DEE3FB-DE68-4AEE-8133-38BBE7BC4399}"/>
-              </a:ext>
-            </a:extLst>
-          </p:cNvPr>
-          <p:cNvSpPr>
-            <a:spLocks noGrp="1"/>
-          </p:cNvSpPr>
-          <p:nvPr>
-            <p:ph idx="1"/>
-          </p:nvPr>
-        </p:nvSpPr>
-        <p:spPr>
-          <a:xfrm>
-            <a:off x="215516" y="1516549"/>
-            <a:ext cx="8712968" cy="1944216"/>
-          </a:xfrm>
-        </p:spPr>
-        <p:txBody>
-          <a:bodyPr/>
-          <a:lstStyle/>
-          <a:p>
-            <a:pPr marL="0" indent="0" algn="just">
-              <a:buNone/>
-            </a:pPr>
-            <a:r>
-              <a:rPr lang="it-IT" sz="2000" b="1" dirty="0" err="1"/>
-              <a:t>OpenAPI</a:t>
-            </a:r>
-            <a:r>
-              <a:rPr lang="it-IT" sz="2000" dirty="0"/>
-              <a:t> è il nome ufficiale della specifica. Lo sviluppo delle specifiche è promosso dalla </a:t>
-            </a:r>
-            <a:r>
-              <a:rPr lang="it-IT" sz="2000" b="1" dirty="0" err="1"/>
-              <a:t>OpenAPI</a:t>
-            </a:r>
-            <a:r>
-              <a:rPr lang="it-IT" sz="2000" b="1" dirty="0"/>
-              <a:t> </a:t>
-            </a:r>
-            <a:r>
-              <a:rPr lang="it-IT" sz="2000" b="1" dirty="0" err="1"/>
-              <a:t>Initiative</a:t>
-            </a:r>
-            <a:r>
-              <a:rPr lang="it-IT" sz="2000" dirty="0"/>
-              <a:t>, che coinvolge più di 30 organizzazioni da diverse aree del mondo tecnologico.</a:t>
-            </a:r>
-          </a:p>
-          <a:p>
-            <a:pPr marL="0" indent="0" algn="just">
-              <a:buNone/>
-            </a:pPr>
-            <a:r>
-              <a:rPr lang="it-IT" sz="2000" b="1" dirty="0" err="1"/>
-              <a:t>Swagger</a:t>
-            </a:r>
-            <a:r>
-              <a:rPr lang="it-IT" sz="2000" dirty="0"/>
-              <a:t> è il nome associato ad alcuni degli strumenti più noti e ampiamente utilizzati per implementare la specifica </a:t>
-            </a:r>
-            <a:r>
-              <a:rPr lang="it-IT" sz="2000" dirty="0" err="1"/>
-              <a:t>OpenAPI</a:t>
-            </a:r>
-            <a:r>
-              <a:rPr lang="it-IT" sz="2000" dirty="0"/>
-              <a:t>. Il set di strumenti </a:t>
-            </a:r>
-            <a:r>
-              <a:rPr lang="it-IT" sz="2000" dirty="0" err="1"/>
-              <a:t>Swagger</a:t>
-            </a:r>
-            <a:r>
-              <a:rPr lang="it-IT" sz="2000" dirty="0"/>
-              <a:t> include un mix di strumenti open source, gratuiti e commerciali.</a:t>
-            </a:r>
-          </a:p>
-          <a:p>
-            <a:pPr marL="0" indent="0" algn="just">
-              <a:buNone/>
-            </a:pPr>
-            <a:endParaRPr lang="en-US" sz="2000" dirty="0">
-              <a:solidFill>
-                <a:srgbClr val="5F5F5F"/>
-              </a:solidFill>
-            </a:endParaRPr>
-          </a:p>
-        </p:txBody>
-      </p:sp>
-      <p:sp>
-        <p:nvSpPr>
-          <p:cNvPr id="5" name="CasellaDiTesto 4">
-            <a:extLst>
-              <a:ext uri="{FF2B5EF4-FFF2-40B4-BE49-F238E27FC236}">
-                <a16:creationId xmlns:a16="http://schemas.microsoft.com/office/drawing/2014/main" id="{A6D68194-2BCD-4369-B919-3D309B376A16}"/>
-              </a:ext>
-            </a:extLst>
-          </p:cNvPr>
-          <p:cNvSpPr txBox="1"/>
-          <p:nvPr/>
-        </p:nvSpPr>
-        <p:spPr>
-          <a:xfrm>
-            <a:off x="2989" y="6093296"/>
-            <a:ext cx="9141011" cy="338554"/>
-          </a:xfrm>
-          <a:prstGeom prst="rect">
-            <a:avLst/>
-          </a:prstGeom>
-          <a:noFill/>
-        </p:spPr>
-        <p:txBody>
-          <a:bodyPr wrap="square">
-            <a:spAutoFit/>
-          </a:bodyPr>
-          <a:lstStyle/>
-          <a:p>
-            <a:pPr algn="ctr"/>
-            <a:r>
-              <a:rPr lang="it-IT" sz="1600" dirty="0"/>
-              <a:t>https://www.openapis.org/blog/2017/07/26/the-oai-announces-the-openapi-specification-3-0-0</a:t>
-            </a:r>
-          </a:p>
-        </p:txBody>
-      </p:sp>
-      <p:pic>
-        <p:nvPicPr>
-          <p:cNvPr id="1026" name="Picture 2" descr="Home - OpenAPI Initiative">
-            <a:extLst>
-              <a:ext uri="{FF2B5EF4-FFF2-40B4-BE49-F238E27FC236}">
-                <a16:creationId xmlns:a16="http://schemas.microsoft.com/office/drawing/2014/main" id="{08BC48E8-D9FD-4AF6-A732-F5C4B1C7EF3A}"/>
-              </a:ext>
-            </a:extLst>
-          </p:cNvPr>
-          <p:cNvPicPr>
-            <a:picLocks noChangeAspect="1" noChangeArrowheads="1"/>
-          </p:cNvPicPr>
-          <p:nvPr/>
-        </p:nvPicPr>
-        <p:blipFill>
-          <a:blip r:embed="rId2" cstate="print">
-            <a:extLst>
-              <a:ext uri="{28A0092B-C50C-407E-A947-70E740481C1C}">
-                <a14:useLocalDpi xmlns:a14="http://schemas.microsoft.com/office/drawing/2010/main" val="0"/>
-              </a:ext>
-            </a:extLst>
-          </a:blip>
-          <a:srcRect/>
-          <a:stretch>
-            <a:fillRect/>
-          </a:stretch>
-        </p:blipFill>
-        <p:spPr bwMode="auto">
-          <a:xfrm>
-            <a:off x="483703" y="4142595"/>
-            <a:ext cx="3618511" cy="1093092"/>
-          </a:xfrm>
-          <a:prstGeom prst="rect">
-            <a:avLst/>
-          </a:prstGeom>
-          <a:noFill/>
-          <a:extLst>
-            <a:ext uri="{909E8E84-426E-40DD-AFC4-6F175D3DCCD1}">
-              <a14:hiddenFill xmlns:a14="http://schemas.microsoft.com/office/drawing/2010/main">
-                <a:solidFill>
-                  <a:srgbClr val="FFFFFF"/>
-                </a:solidFill>
-              </a14:hiddenFill>
-            </a:ext>
-          </a:extLst>
-        </p:spPr>
-      </p:pic>
-      <p:pic>
-        <p:nvPicPr>
-          <p:cNvPr id="1028" name="Picture 4" descr="Problemi o malfunzionamenti con Swagger UI? Is not DOWN.">
-            <a:extLst>
-              <a:ext uri="{FF2B5EF4-FFF2-40B4-BE49-F238E27FC236}">
-                <a16:creationId xmlns:a16="http://schemas.microsoft.com/office/drawing/2014/main" id="{60E7CB95-C6A1-4EBE-8A23-6996B6647005}"/>
-              </a:ext>
-            </a:extLst>
-          </p:cNvPr>
-          <p:cNvPicPr>
-            <a:picLocks noChangeAspect="1" noChangeArrowheads="1"/>
-          </p:cNvPicPr>
-          <p:nvPr/>
-        </p:nvPicPr>
-        <p:blipFill>
-          <a:blip r:embed="rId3" cstate="print">
-            <a:extLst>
-              <a:ext uri="{28A0092B-C50C-407E-A947-70E740481C1C}">
-                <a14:useLocalDpi xmlns:a14="http://schemas.microsoft.com/office/drawing/2010/main" val="0"/>
-              </a:ext>
-            </a:extLst>
-          </a:blip>
-          <a:srcRect/>
-          <a:stretch>
-            <a:fillRect/>
-          </a:stretch>
-        </p:blipFill>
-        <p:spPr bwMode="auto">
-          <a:xfrm>
-            <a:off x="4715252" y="4189344"/>
-            <a:ext cx="3995936" cy="1119001"/>
-          </a:xfrm>
-          <a:prstGeom prst="rect">
-            <a:avLst/>
-          </a:prstGeom>
-          <a:noFill/>
-          <a:extLst>
-            <a:ext uri="{909E8E84-426E-40DD-AFC4-6F175D3DCCD1}">
-              <a14:hiddenFill xmlns:a14="http://schemas.microsoft.com/office/drawing/2010/main">
-                <a:solidFill>
-                  <a:srgbClr val="FFFFFF"/>
-                </a:solidFill>
-              </a14:hiddenFill>
-            </a:ext>
-          </a:extLst>
-        </p:spPr>
-      </p:pic>
-    </p:spTree>
-    <p:extLst>
-      <p:ext uri="{BB962C8B-B14F-4D97-AF65-F5344CB8AC3E}">
-        <p14:creationId xmlns:p14="http://schemas.microsoft.com/office/powerpoint/2010/main" val="2566170981"/>
       </p:ext>
     </p:extLst>
   </p:cSld>
@@ -21942,6 +21942,21 @@
 </file>
 
 <file path=customXml/item1.xml><?xml version="1.0" encoding="utf-8"?>
+<p:properties xmlns:p="http://schemas.microsoft.com/office/2006/metadata/properties" xmlns:xsi="http://www.w3.org/2001/XMLSchema-instance" xmlns:pc="http://schemas.microsoft.com/office/infopath/2007/PartnerControls">
+  <documentManagement/>
+</p:properties>
+</file>
+
+<file path=customXml/item2.xml><?xml version="1.0" encoding="utf-8"?>
+<?mso-contentType ?>
+<FormTemplates xmlns="http://schemas.microsoft.com/sharepoint/v3/contenttype/forms">
+  <Display>DocumentLibraryForm</Display>
+  <Edit>DocumentLibraryForm</Edit>
+  <New>DocumentLibraryForm</New>
+</FormTemplates>
+</file>
+
+<file path=customXml/item3.xml><?xml version="1.0" encoding="utf-8"?>
 <ct:contentTypeSchema xmlns:ct="http://schemas.microsoft.com/office/2006/metadata/contentType" xmlns:ma="http://schemas.microsoft.com/office/2006/metadata/properties/metaAttributes" ct:_="" ma:_="" ma:contentTypeName="Documento" ma:contentTypeID="0x010100C4455CC6ABF458469D1B0DAFACA936EA" ma:contentTypeVersion="8" ma:contentTypeDescription="Creare un nuovo documento." ma:contentTypeScope="" ma:versionID="230b9c2123ba1e78d503313ca372f01f">
   <xsd:schema xmlns:xsd="http://www.w3.org/2001/XMLSchema" xmlns:xs="http://www.w3.org/2001/XMLSchema" xmlns:p="http://schemas.microsoft.com/office/2006/metadata/properties" xmlns:ns2="e287affd-a248-47db-997e-83834dd48550" xmlns:ns3="44bce2f5-4830-4c5b-b37d-8447a270ccec" targetNamespace="http://schemas.microsoft.com/office/2006/metadata/properties" ma:root="true" ma:fieldsID="765be18f5d85cbf449b8a9324d0dca31" ns2:_="" ns3:_="">
     <xsd:import namespace="e287affd-a248-47db-997e-83834dd48550"/>
@@ -22132,22 +22147,24 @@
 </ct:contentTypeSchema>
 </file>
 
-<file path=customXml/item2.xml><?xml version="1.0" encoding="utf-8"?>
-<p:properties xmlns:p="http://schemas.microsoft.com/office/2006/metadata/properties" xmlns:xsi="http://www.w3.org/2001/XMLSchema-instance" xmlns:pc="http://schemas.microsoft.com/office/infopath/2007/PartnerControls">
-  <documentManagement/>
-</p:properties>
+<file path=customXml/itemProps1.xml><?xml version="1.0" encoding="utf-8"?>
+<ds:datastoreItem xmlns:ds="http://schemas.openxmlformats.org/officeDocument/2006/customXml" ds:itemID="{E88AD7F5-1316-4337-B60E-A02A9D137728}">
+  <ds:schemaRefs>
+    <ds:schemaRef ds:uri="http://schemas.microsoft.com/office/2006/metadata/properties"/>
+    <ds:schemaRef ds:uri="http://schemas.microsoft.com/office/infopath/2007/PartnerControls"/>
+  </ds:schemaRefs>
+</ds:datastoreItem>
 </file>
 
-<file path=customXml/item3.xml><?xml version="1.0" encoding="utf-8"?>
-<?mso-contentType ?>
-<FormTemplates xmlns="http://schemas.microsoft.com/sharepoint/v3/contenttype/forms">
-  <Display>DocumentLibraryForm</Display>
-  <Edit>DocumentLibraryForm</Edit>
-  <New>DocumentLibraryForm</New>
-</FormTemplates>
+<file path=customXml/itemProps2.xml><?xml version="1.0" encoding="utf-8"?>
+<ds:datastoreItem xmlns:ds="http://schemas.openxmlformats.org/officeDocument/2006/customXml" ds:itemID="{46BF513B-8B6B-4645-BE50-89D5CEB09578}">
+  <ds:schemaRefs>
+    <ds:schemaRef ds:uri="http://schemas.microsoft.com/sharepoint/v3/contenttype/forms"/>
+  </ds:schemaRefs>
+</ds:datastoreItem>
 </file>
 
-<file path=customXml/itemProps1.xml><?xml version="1.0" encoding="utf-8"?>
+<file path=customXml/itemProps3.xml><?xml version="1.0" encoding="utf-8"?>
 <ds:datastoreItem xmlns:ds="http://schemas.openxmlformats.org/officeDocument/2006/customXml" ds:itemID="{77C1AC4E-F0D8-4ABB-AE78-B591E08EEC6E}">
   <ds:schemaRefs>
     <ds:schemaRef ds:uri="http://schemas.microsoft.com/office/2006/metadata/contentType"/>
@@ -22164,21 +22181,4 @@
     <ds:schemaRef ds:uri="http://schemas.microsoft.com/internal/obd"/>
   </ds:schemaRefs>
 </ds:datastoreItem>
-</file>
-
-<file path=customXml/itemProps2.xml><?xml version="1.0" encoding="utf-8"?>
-<ds:datastoreItem xmlns:ds="http://schemas.openxmlformats.org/officeDocument/2006/customXml" ds:itemID="{E88AD7F5-1316-4337-B60E-A02A9D137728}">
-  <ds:schemaRefs>
-    <ds:schemaRef ds:uri="http://schemas.microsoft.com/office/2006/metadata/properties"/>
-    <ds:schemaRef ds:uri="http://schemas.microsoft.com/office/infopath/2007/PartnerControls"/>
-  </ds:schemaRefs>
-</ds:datastoreItem>
-</file>
-
-<file path=customXml/itemProps3.xml><?xml version="1.0" encoding="utf-8"?>
-<ds:datastoreItem xmlns:ds="http://schemas.openxmlformats.org/officeDocument/2006/customXml" ds:itemID="{46BF513B-8B6B-4645-BE50-89D5CEB09578}">
-  <ds:schemaRefs>
-    <ds:schemaRef ds:uri="http://schemas.microsoft.com/sharepoint/v3/contenttype/forms"/>
-  </ds:schemaRefs>
-</ds:datastoreItem>
 </file>